--- a/Textbooks/Chen-Ning Yang.pptx
+++ b/Textbooks/Chen-Ning Yang.pptx
@@ -516,6 +516,15 @@
             <a:r>
               <a:t>Halliday Resnick and Walker, 8th edition, Chapter 46, section 6</a:t>
             </a:r>
+            <a:br/>
+            <a:r>
+              <a:t>Knight, Physics for Scientists and Engineers: A Strategic Approach with Modern Physics, 3rd Edition, Chapter 18 </a:t>
+            </a:r>
+            <a:br/>
+            <a:r>
+              <a:t>Knight, Physics for Scientists and Engineers: A Strategic Approach with Modern Physics, 3rd Edition, Chapter 42</a:t>
+            </a:r>
+            <a:br/>
             <a:br/>
             <a:r>
               <a:t>#Contributors</a:t>
